--- a/Versionskontroll med Nalle Wahlroos.pptx
+++ b/Versionskontroll med Nalle Wahlroos.pptx
@@ -248,7 +248,7 @@
           </a:lstStyle>
           <a:p>
             <a:r>
-              <a:rPr lang="en-US" smtClean="0"/>
+              <a:rPr lang="en-US"/>
               <a:t>Click to edit Master title style</a:t>
             </a:r>
             <a:endParaRPr lang="en-US" dirty="0"/>
@@ -320,7 +320,7 @@
           </a:lstStyle>
           <a:p>
             <a:r>
-              <a:rPr lang="en-US" smtClean="0"/>
+              <a:rPr lang="en-US"/>
               <a:t>Click to edit Master subtitle style</a:t>
             </a:r>
             <a:endParaRPr lang="en-US" dirty="0"/>
@@ -344,7 +344,7 @@
           <a:p>
             <a:fld id="{755046C0-CD55-4C47-BE07-7B297E1EF784}" type="datetimeFigureOut">
               <a:rPr lang="fi-FI" smtClean="0"/>
-              <a:t>7.4.2016</a:t>
+              <a:t>10.4.2016</a:t>
             </a:fld>
             <a:endParaRPr lang="fi-FI"/>
           </a:p>
@@ -476,7 +476,7 @@
           <a:lstStyle/>
           <a:p>
             <a:r>
-              <a:rPr lang="en-US" smtClean="0"/>
+              <a:rPr lang="en-US"/>
               <a:t>Click to edit Master title style</a:t>
             </a:r>
             <a:endParaRPr lang="en-US" dirty="0"/>
@@ -500,35 +500,35 @@
           <a:p>
             <a:pPr lvl="0"/>
             <a:r>
-              <a:rPr lang="en-US" smtClean="0"/>
+              <a:rPr lang="en-US"/>
               <a:t>Edit Master text styles</a:t>
             </a:r>
           </a:p>
           <a:p>
             <a:pPr lvl="1"/>
             <a:r>
-              <a:rPr lang="en-US" smtClean="0"/>
+              <a:rPr lang="en-US"/>
               <a:t>Second level</a:t>
             </a:r>
           </a:p>
           <a:p>
             <a:pPr lvl="2"/>
             <a:r>
-              <a:rPr lang="en-US" smtClean="0"/>
+              <a:rPr lang="en-US"/>
               <a:t>Third level</a:t>
             </a:r>
           </a:p>
           <a:p>
             <a:pPr lvl="3"/>
             <a:r>
-              <a:rPr lang="en-US" smtClean="0"/>
+              <a:rPr lang="en-US"/>
               <a:t>Fourth level</a:t>
             </a:r>
           </a:p>
           <a:p>
             <a:pPr lvl="4"/>
             <a:r>
-              <a:rPr lang="en-US" smtClean="0"/>
+              <a:rPr lang="en-US"/>
               <a:t>Fifth level</a:t>
             </a:r>
             <a:endParaRPr lang="en-US" dirty="0"/>
@@ -552,7 +552,7 @@
           <a:p>
             <a:fld id="{755046C0-CD55-4C47-BE07-7B297E1EF784}" type="datetimeFigureOut">
               <a:rPr lang="fi-FI" smtClean="0"/>
-              <a:t>7.4.2016</a:t>
+              <a:t>10.4.2016</a:t>
             </a:fld>
             <a:endParaRPr lang="fi-FI"/>
           </a:p>
@@ -727,7 +727,7 @@
           <a:lstStyle/>
           <a:p>
             <a:r>
-              <a:rPr lang="en-US" smtClean="0"/>
+              <a:rPr lang="en-US"/>
               <a:t>Click to edit Master title style</a:t>
             </a:r>
             <a:endParaRPr lang="en-US" dirty="0"/>
@@ -756,35 +756,35 @@
           <a:p>
             <a:pPr lvl="0"/>
             <a:r>
-              <a:rPr lang="en-US" smtClean="0"/>
+              <a:rPr lang="en-US"/>
               <a:t>Edit Master text styles</a:t>
             </a:r>
           </a:p>
           <a:p>
             <a:pPr lvl="1"/>
             <a:r>
-              <a:rPr lang="en-US" smtClean="0"/>
+              <a:rPr lang="en-US"/>
               <a:t>Second level</a:t>
             </a:r>
           </a:p>
           <a:p>
             <a:pPr lvl="2"/>
             <a:r>
-              <a:rPr lang="en-US" smtClean="0"/>
+              <a:rPr lang="en-US"/>
               <a:t>Third level</a:t>
             </a:r>
           </a:p>
           <a:p>
             <a:pPr lvl="3"/>
             <a:r>
-              <a:rPr lang="en-US" smtClean="0"/>
+              <a:rPr lang="en-US"/>
               <a:t>Fourth level</a:t>
             </a:r>
           </a:p>
           <a:p>
             <a:pPr lvl="4"/>
             <a:r>
-              <a:rPr lang="en-US" smtClean="0"/>
+              <a:rPr lang="en-US"/>
               <a:t>Fifth level</a:t>
             </a:r>
             <a:endParaRPr lang="en-US" dirty="0"/>
@@ -808,7 +808,7 @@
           <a:p>
             <a:fld id="{755046C0-CD55-4C47-BE07-7B297E1EF784}" type="datetimeFigureOut">
               <a:rPr lang="fi-FI" smtClean="0"/>
-              <a:t>7.4.2016</a:t>
+              <a:t>10.4.2016</a:t>
             </a:fld>
             <a:endParaRPr lang="fi-FI"/>
           </a:p>
@@ -906,7 +906,7 @@
           </a:lstStyle>
           <a:p>
             <a:r>
-              <a:rPr lang="en-US" smtClean="0"/>
+              <a:rPr lang="en-US"/>
               <a:t>Click to edit Master title style</a:t>
             </a:r>
             <a:endParaRPr lang="en-US" dirty="0"/>
@@ -930,35 +930,35 @@
           <a:p>
             <a:pPr lvl="0"/>
             <a:r>
-              <a:rPr lang="en-US" smtClean="0"/>
+              <a:rPr lang="en-US"/>
               <a:t>Edit Master text styles</a:t>
             </a:r>
           </a:p>
           <a:p>
             <a:pPr lvl="1"/>
             <a:r>
-              <a:rPr lang="en-US" smtClean="0"/>
+              <a:rPr lang="en-US"/>
               <a:t>Second level</a:t>
             </a:r>
           </a:p>
           <a:p>
             <a:pPr lvl="2"/>
             <a:r>
-              <a:rPr lang="en-US" smtClean="0"/>
+              <a:rPr lang="en-US"/>
               <a:t>Third level</a:t>
             </a:r>
           </a:p>
           <a:p>
             <a:pPr lvl="3"/>
             <a:r>
-              <a:rPr lang="en-US" smtClean="0"/>
+              <a:rPr lang="en-US"/>
               <a:t>Fourth level</a:t>
             </a:r>
           </a:p>
           <a:p>
             <a:pPr lvl="4"/>
             <a:r>
-              <a:rPr lang="en-US" smtClean="0"/>
+              <a:rPr lang="en-US"/>
               <a:t>Fifth level</a:t>
             </a:r>
             <a:endParaRPr lang="en-US" dirty="0"/>
@@ -982,7 +982,7 @@
           <a:p>
             <a:fld id="{755046C0-CD55-4C47-BE07-7B297E1EF784}" type="datetimeFigureOut">
               <a:rPr lang="fi-FI" smtClean="0"/>
-              <a:t>7.4.2016</a:t>
+              <a:t>10.4.2016</a:t>
             </a:fld>
             <a:endParaRPr lang="fi-FI"/>
           </a:p>
@@ -1181,7 +1181,7 @@
           </a:lstStyle>
           <a:p>
             <a:r>
-              <a:rPr lang="en-US" smtClean="0"/>
+              <a:rPr lang="en-US"/>
               <a:t>Click to edit Master title style</a:t>
             </a:r>
             <a:endParaRPr lang="en-US" dirty="0"/>
@@ -1302,7 +1302,7 @@
           <a:p>
             <a:pPr lvl="0"/>
             <a:r>
-              <a:rPr lang="en-US" smtClean="0"/>
+              <a:rPr lang="en-US"/>
               <a:t>Edit Master text styles</a:t>
             </a:r>
           </a:p>
@@ -1325,7 +1325,7 @@
           <a:p>
             <a:fld id="{755046C0-CD55-4C47-BE07-7B297E1EF784}" type="datetimeFigureOut">
               <a:rPr lang="fi-FI" smtClean="0"/>
-              <a:t>7.4.2016</a:t>
+              <a:t>10.4.2016</a:t>
             </a:fld>
             <a:endParaRPr lang="fi-FI"/>
           </a:p>
@@ -1462,7 +1462,7 @@
           <a:lstStyle/>
           <a:p>
             <a:r>
-              <a:rPr lang="en-US" smtClean="0"/>
+              <a:rPr lang="en-US"/>
               <a:t>Click to edit Master title style</a:t>
             </a:r>
             <a:endParaRPr lang="en-US" dirty="0"/>
@@ -1491,35 +1491,35 @@
           <a:p>
             <a:pPr lvl="0"/>
             <a:r>
-              <a:rPr lang="en-US" smtClean="0"/>
+              <a:rPr lang="en-US"/>
               <a:t>Edit Master text styles</a:t>
             </a:r>
           </a:p>
           <a:p>
             <a:pPr lvl="1"/>
             <a:r>
-              <a:rPr lang="en-US" smtClean="0"/>
+              <a:rPr lang="en-US"/>
               <a:t>Second level</a:t>
             </a:r>
           </a:p>
           <a:p>
             <a:pPr lvl="2"/>
             <a:r>
-              <a:rPr lang="en-US" smtClean="0"/>
+              <a:rPr lang="en-US"/>
               <a:t>Third level</a:t>
             </a:r>
           </a:p>
           <a:p>
             <a:pPr lvl="3"/>
             <a:r>
-              <a:rPr lang="en-US" smtClean="0"/>
+              <a:rPr lang="en-US"/>
               <a:t>Fourth level</a:t>
             </a:r>
           </a:p>
           <a:p>
             <a:pPr lvl="4"/>
             <a:r>
-              <a:rPr lang="en-US" smtClean="0"/>
+              <a:rPr lang="en-US"/>
               <a:t>Fifth level</a:t>
             </a:r>
             <a:endParaRPr lang="en-US" dirty="0"/>
@@ -1548,35 +1548,35 @@
           <a:p>
             <a:pPr lvl="0"/>
             <a:r>
-              <a:rPr lang="en-US" smtClean="0"/>
+              <a:rPr lang="en-US"/>
               <a:t>Edit Master text styles</a:t>
             </a:r>
           </a:p>
           <a:p>
             <a:pPr lvl="1"/>
             <a:r>
-              <a:rPr lang="en-US" smtClean="0"/>
+              <a:rPr lang="en-US"/>
               <a:t>Second level</a:t>
             </a:r>
           </a:p>
           <a:p>
             <a:pPr lvl="2"/>
             <a:r>
-              <a:rPr lang="en-US" smtClean="0"/>
+              <a:rPr lang="en-US"/>
               <a:t>Third level</a:t>
             </a:r>
           </a:p>
           <a:p>
             <a:pPr lvl="3"/>
             <a:r>
-              <a:rPr lang="en-US" smtClean="0"/>
+              <a:rPr lang="en-US"/>
               <a:t>Fourth level</a:t>
             </a:r>
           </a:p>
           <a:p>
             <a:pPr lvl="4"/>
             <a:r>
-              <a:rPr lang="en-US" smtClean="0"/>
+              <a:rPr lang="en-US"/>
               <a:t>Fifth level</a:t>
             </a:r>
             <a:endParaRPr lang="en-US" dirty="0"/>
@@ -1600,7 +1600,7 @@
           <a:p>
             <a:fld id="{755046C0-CD55-4C47-BE07-7B297E1EF784}" type="datetimeFigureOut">
               <a:rPr lang="fi-FI" smtClean="0"/>
-              <a:t>7.4.2016</a:t>
+              <a:t>10.4.2016</a:t>
             </a:fld>
             <a:endParaRPr lang="fi-FI"/>
           </a:p>
@@ -1699,7 +1699,7 @@
           <a:lstStyle/>
           <a:p>
             <a:r>
-              <a:rPr lang="en-US" smtClean="0"/>
+              <a:rPr lang="en-US"/>
               <a:t>Click to edit Master title style</a:t>
             </a:r>
             <a:endParaRPr lang="en-US" dirty="0"/>
@@ -1771,7 +1771,7 @@
           <a:p>
             <a:pPr lvl="0"/>
             <a:r>
-              <a:rPr lang="en-US" smtClean="0"/>
+              <a:rPr lang="en-US"/>
               <a:t>Edit Master text styles</a:t>
             </a:r>
           </a:p>
@@ -1799,35 +1799,35 @@
           <a:p>
             <a:pPr lvl="0"/>
             <a:r>
-              <a:rPr lang="en-US" smtClean="0"/>
+              <a:rPr lang="en-US"/>
               <a:t>Edit Master text styles</a:t>
             </a:r>
           </a:p>
           <a:p>
             <a:pPr lvl="1"/>
             <a:r>
-              <a:rPr lang="en-US" smtClean="0"/>
+              <a:rPr lang="en-US"/>
               <a:t>Second level</a:t>
             </a:r>
           </a:p>
           <a:p>
             <a:pPr lvl="2"/>
             <a:r>
-              <a:rPr lang="en-US" smtClean="0"/>
+              <a:rPr lang="en-US"/>
               <a:t>Third level</a:t>
             </a:r>
           </a:p>
           <a:p>
             <a:pPr lvl="3"/>
             <a:r>
-              <a:rPr lang="en-US" smtClean="0"/>
+              <a:rPr lang="en-US"/>
               <a:t>Fourth level</a:t>
             </a:r>
           </a:p>
           <a:p>
             <a:pPr lvl="4"/>
             <a:r>
-              <a:rPr lang="en-US" smtClean="0"/>
+              <a:rPr lang="en-US"/>
               <a:t>Fifth level</a:t>
             </a:r>
             <a:endParaRPr lang="en-US" dirty="0"/>
@@ -1899,7 +1899,7 @@
           <a:p>
             <a:pPr lvl="0"/>
             <a:r>
-              <a:rPr lang="en-US" smtClean="0"/>
+              <a:rPr lang="en-US"/>
               <a:t>Edit Master text styles</a:t>
             </a:r>
           </a:p>
@@ -1927,35 +1927,35 @@
           <a:p>
             <a:pPr lvl="0"/>
             <a:r>
-              <a:rPr lang="en-US" smtClean="0"/>
+              <a:rPr lang="en-US"/>
               <a:t>Edit Master text styles</a:t>
             </a:r>
           </a:p>
           <a:p>
             <a:pPr lvl="1"/>
             <a:r>
-              <a:rPr lang="en-US" smtClean="0"/>
+              <a:rPr lang="en-US"/>
               <a:t>Second level</a:t>
             </a:r>
           </a:p>
           <a:p>
             <a:pPr lvl="2"/>
             <a:r>
-              <a:rPr lang="en-US" smtClean="0"/>
+              <a:rPr lang="en-US"/>
               <a:t>Third level</a:t>
             </a:r>
           </a:p>
           <a:p>
             <a:pPr lvl="3"/>
             <a:r>
-              <a:rPr lang="en-US" smtClean="0"/>
+              <a:rPr lang="en-US"/>
               <a:t>Fourth level</a:t>
             </a:r>
           </a:p>
           <a:p>
             <a:pPr lvl="4"/>
             <a:r>
-              <a:rPr lang="en-US" smtClean="0"/>
+              <a:rPr lang="en-US"/>
               <a:t>Fifth level</a:t>
             </a:r>
             <a:endParaRPr lang="en-US" dirty="0"/>
@@ -1979,7 +1979,7 @@
           <a:p>
             <a:fld id="{755046C0-CD55-4C47-BE07-7B297E1EF784}" type="datetimeFigureOut">
               <a:rPr lang="fi-FI" smtClean="0"/>
-              <a:t>7.4.2016</a:t>
+              <a:t>10.4.2016</a:t>
             </a:fld>
             <a:endParaRPr lang="fi-FI"/>
           </a:p>
@@ -2073,7 +2073,7 @@
           <a:lstStyle/>
           <a:p>
             <a:r>
-              <a:rPr lang="en-US" smtClean="0"/>
+              <a:rPr lang="en-US"/>
               <a:t>Click to edit Master title style</a:t>
             </a:r>
             <a:endParaRPr lang="en-US" dirty="0"/>
@@ -2097,7 +2097,7 @@
           <a:p>
             <a:fld id="{755046C0-CD55-4C47-BE07-7B297E1EF784}" type="datetimeFigureOut">
               <a:rPr lang="fi-FI" smtClean="0"/>
-              <a:t>7.4.2016</a:t>
+              <a:t>10.4.2016</a:t>
             </a:fld>
             <a:endParaRPr lang="fi-FI"/>
           </a:p>
@@ -2268,7 +2268,7 @@
           <a:p>
             <a:fld id="{755046C0-CD55-4C47-BE07-7B297E1EF784}" type="datetimeFigureOut">
               <a:rPr lang="fi-FI" smtClean="0"/>
-              <a:t>7.4.2016</a:t>
+              <a:t>10.4.2016</a:t>
             </a:fld>
             <a:endParaRPr lang="fi-FI"/>
           </a:p>
@@ -2461,7 +2461,7 @@
           </a:lstStyle>
           <a:p>
             <a:r>
-              <a:rPr lang="en-US" smtClean="0"/>
+              <a:rPr lang="en-US"/>
               <a:t>Click to edit Master title style</a:t>
             </a:r>
             <a:endParaRPr lang="en-US" dirty="0"/>
@@ -2490,35 +2490,35 @@
           <a:p>
             <a:pPr lvl="0"/>
             <a:r>
-              <a:rPr lang="en-US" smtClean="0"/>
+              <a:rPr lang="en-US"/>
               <a:t>Edit Master text styles</a:t>
             </a:r>
           </a:p>
           <a:p>
             <a:pPr lvl="1"/>
             <a:r>
-              <a:rPr lang="en-US" smtClean="0"/>
+              <a:rPr lang="en-US"/>
               <a:t>Second level</a:t>
             </a:r>
           </a:p>
           <a:p>
             <a:pPr lvl="2"/>
             <a:r>
-              <a:rPr lang="en-US" smtClean="0"/>
+              <a:rPr lang="en-US"/>
               <a:t>Third level</a:t>
             </a:r>
           </a:p>
           <a:p>
             <a:pPr lvl="3"/>
             <a:r>
-              <a:rPr lang="en-US" smtClean="0"/>
+              <a:rPr lang="en-US"/>
               <a:t>Fourth level</a:t>
             </a:r>
           </a:p>
           <a:p>
             <a:pPr lvl="4"/>
             <a:r>
-              <a:rPr lang="en-US" smtClean="0"/>
+              <a:rPr lang="en-US"/>
               <a:t>Fifth level</a:t>
             </a:r>
             <a:endParaRPr lang="en-US" dirty="0"/>
@@ -2590,7 +2590,7 @@
           <a:p>
             <a:pPr lvl="0"/>
             <a:r>
-              <a:rPr lang="en-US" smtClean="0"/>
+              <a:rPr lang="en-US"/>
               <a:t>Edit Master text styles</a:t>
             </a:r>
           </a:p>
@@ -2622,7 +2622,7 @@
           <a:p>
             <a:fld id="{755046C0-CD55-4C47-BE07-7B297E1EF784}" type="datetimeFigureOut">
               <a:rPr lang="fi-FI" smtClean="0"/>
-              <a:t>7.4.2016</a:t>
+              <a:t>10.4.2016</a:t>
             </a:fld>
             <a:endParaRPr lang="fi-FI"/>
           </a:p>
@@ -2828,7 +2828,7 @@
           </a:lstStyle>
           <a:p>
             <a:r>
-              <a:rPr lang="en-US" smtClean="0"/>
+              <a:rPr lang="en-US"/>
               <a:t>Click to edit Master title style</a:t>
             </a:r>
             <a:endParaRPr lang="en-US" dirty="0"/>
@@ -2903,7 +2903,7 @@
           </a:lstStyle>
           <a:p>
             <a:r>
-              <a:rPr lang="en-US" smtClean="0"/>
+              <a:rPr lang="en-US"/>
               <a:t>Click icon to add picture</a:t>
             </a:r>
             <a:endParaRPr lang="en-US" dirty="0"/>
@@ -2981,7 +2981,7 @@
           <a:p>
             <a:pPr lvl="0"/>
             <a:r>
-              <a:rPr lang="en-US" smtClean="0"/>
+              <a:rPr lang="en-US"/>
               <a:t>Edit Master text styles</a:t>
             </a:r>
           </a:p>
@@ -3004,7 +3004,7 @@
           <a:p>
             <a:fld id="{755046C0-CD55-4C47-BE07-7B297E1EF784}" type="datetimeFigureOut">
               <a:rPr lang="fi-FI" smtClean="0"/>
-              <a:t>7.4.2016</a:t>
+              <a:t>10.4.2016</a:t>
             </a:fld>
             <a:endParaRPr lang="fi-FI"/>
           </a:p>
@@ -3189,7 +3189,7 @@
           <a:lstStyle/>
           <a:p>
             <a:r>
-              <a:rPr lang="en-US" smtClean="0"/>
+              <a:rPr lang="en-US"/>
               <a:t>Click to edit Master title style</a:t>
             </a:r>
             <a:endParaRPr lang="en-US" dirty="0"/>
@@ -3223,35 +3223,35 @@
           <a:p>
             <a:pPr lvl="0"/>
             <a:r>
-              <a:rPr lang="en-US" smtClean="0"/>
+              <a:rPr lang="en-US"/>
               <a:t>Edit Master text styles</a:t>
             </a:r>
           </a:p>
           <a:p>
             <a:pPr lvl="1"/>
             <a:r>
-              <a:rPr lang="en-US" smtClean="0"/>
+              <a:rPr lang="en-US"/>
               <a:t>Second level</a:t>
             </a:r>
           </a:p>
           <a:p>
             <a:pPr lvl="2"/>
             <a:r>
-              <a:rPr lang="en-US" smtClean="0"/>
+              <a:rPr lang="en-US"/>
               <a:t>Third level</a:t>
             </a:r>
           </a:p>
           <a:p>
             <a:pPr lvl="3"/>
             <a:r>
-              <a:rPr lang="en-US" smtClean="0"/>
+              <a:rPr lang="en-US"/>
               <a:t>Fourth level</a:t>
             </a:r>
           </a:p>
           <a:p>
             <a:pPr lvl="4"/>
             <a:r>
-              <a:rPr lang="en-US" smtClean="0"/>
+              <a:rPr lang="en-US"/>
               <a:t>Fifth level</a:t>
             </a:r>
             <a:endParaRPr lang="en-US" dirty="0"/>
@@ -3291,7 +3291,7 @@
           <a:p>
             <a:fld id="{755046C0-CD55-4C47-BE07-7B297E1EF784}" type="datetimeFigureOut">
               <a:rPr lang="fi-FI" smtClean="0"/>
-              <a:t>7.4.2016</a:t>
+              <a:t>10.4.2016</a:t>
             </a:fld>
             <a:endParaRPr lang="fi-FI"/>
           </a:p>
@@ -3831,22 +3831,21 @@
           <a:lstStyle/>
           <a:p>
             <a:r>
-              <a:rPr lang="sv-SE" dirty="0" smtClean="0"/>
+              <a:rPr lang="sv-SE" dirty="0"/>
               <a:t>Versionskontroll</a:t>
             </a:r>
             <a:r>
-              <a:rPr lang="fi-FI" dirty="0" smtClean="0"/>
+              <a:rPr lang="fi-FI" dirty="0"/>
               <a:t> </a:t>
             </a:r>
             <a:r>
-              <a:rPr lang="fi-FI" dirty="0" err="1" smtClean="0"/>
+              <a:rPr lang="fi-FI" dirty="0" err="1"/>
               <a:t>med</a:t>
             </a:r>
             <a:r>
-              <a:rPr lang="fi-FI" dirty="0" smtClean="0"/>
+              <a:rPr lang="fi-FI" dirty="0"/>
               <a:t> Nalle Wahlroos </a:t>
             </a:r>
-            <a:endParaRPr lang="fi-FI" dirty="0"/>
           </a:p>
         </p:txBody>
       </p:sp>
@@ -3866,11 +3865,11 @@
           <a:lstStyle/>
           <a:p>
             <a:r>
-              <a:rPr lang="sv-SE" dirty="0" smtClean="0"/>
+              <a:rPr lang="sv-SE" dirty="0"/>
               <a:t>Kort presentation med </a:t>
             </a:r>
             <a:r>
-              <a:rPr lang="sv-SE" dirty="0" err="1" smtClean="0"/>
+              <a:rPr lang="sv-SE" dirty="0" err="1"/>
               <a:t>Github</a:t>
             </a:r>
             <a:endParaRPr lang="sv-SE" dirty="0"/>
@@ -3924,24 +3923,12 @@
           </a:bodyPr>
           <a:lstStyle/>
           <a:p>
-            <a:r>
-              <a:rPr lang="sv-SE" dirty="0"/>
-              <a:t/>
-            </a:r>
             <a:br>
               <a:rPr lang="sv-SE" dirty="0"/>
             </a:br>
             <a:r>
               <a:rPr lang="sv-SE" dirty="0"/>
-              <a:t>Vad är versionskontroll och varför </a:t>
-            </a:r>
-            <a:r>
-              <a:rPr lang="sv-SE" dirty="0" smtClean="0"/>
-              <a:t>används </a:t>
-            </a:r>
-            <a:r>
-              <a:rPr lang="sv-SE" dirty="0"/>
-              <a:t>det</a:t>
+              <a:t>Vad är versionskontroll och varför används det</a:t>
             </a:r>
             <a:br>
               <a:rPr lang="sv-SE" dirty="0"/>
@@ -3975,7 +3962,7 @@
               <a:buChar char="•"/>
             </a:pPr>
             <a:r>
-              <a:rPr lang="sv-SE" sz="2400" dirty="0" smtClean="0"/>
+              <a:rPr lang="sv-SE" sz="2400" dirty="0"/>
               <a:t>Version kontroll är ett enkelt sätt att:</a:t>
             </a:r>
           </a:p>
@@ -3986,11 +3973,7 @@
             </a:pPr>
             <a:r>
               <a:rPr lang="sv-SE" sz="2000" dirty="0"/>
-              <a:t>H</a:t>
-            </a:r>
-            <a:r>
-              <a:rPr lang="sv-SE" sz="2000" dirty="0" smtClean="0"/>
-              <a:t>ålla filer</a:t>
+              <a:t>Hålla filer</a:t>
             </a:r>
           </a:p>
           <a:p>
@@ -4000,11 +3983,7 @@
             </a:pPr>
             <a:r>
               <a:rPr lang="sv-SE" sz="2000" dirty="0"/>
-              <a:t>H</a:t>
-            </a:r>
-            <a:r>
-              <a:rPr lang="sv-SE" sz="2000" dirty="0" smtClean="0"/>
-              <a:t>ålla deras förändringar över tid</a:t>
+              <a:t>Hålla deras förändringar över tid</a:t>
             </a:r>
           </a:p>
           <a:p>
@@ -4013,7 +3992,7 @@
               <a:buChar char="•"/>
             </a:pPr>
             <a:r>
-              <a:rPr lang="sv-SE" sz="2200" dirty="0" smtClean="0"/>
+              <a:rPr lang="sv-SE" sz="2200" dirty="0"/>
               <a:t>Om någonting missas, man kan:</a:t>
             </a:r>
           </a:p>
@@ -4024,11 +4003,7 @@
             </a:pPr>
             <a:r>
               <a:rPr lang="sv-SE" sz="2000" dirty="0"/>
-              <a:t>R</a:t>
-            </a:r>
-            <a:r>
-              <a:rPr lang="sv-SE" sz="2000" dirty="0" smtClean="0"/>
-              <a:t>eturnera filers gamla versioner</a:t>
+              <a:t>Returnera filers gamla versioner</a:t>
             </a:r>
           </a:p>
           <a:p>
@@ -4037,7 +4012,7 @@
               <a:buChar char="•"/>
             </a:pPr>
             <a:r>
-              <a:rPr lang="sv-SE" sz="2000" dirty="0" smtClean="0"/>
+              <a:rPr lang="sv-SE" sz="2000" dirty="0"/>
               <a:t>Finna skyldiga människor</a:t>
             </a:r>
           </a:p>
@@ -4047,11 +4022,11 @@
               <a:buChar char="•"/>
             </a:pPr>
             <a:r>
-              <a:rPr lang="sv-SE" sz="2000" dirty="0" err="1" smtClean="0"/>
+              <a:rPr lang="sv-SE" sz="2000" dirty="0" err="1"/>
               <a:t>Upphålla</a:t>
             </a:r>
             <a:r>
-              <a:rPr lang="sv-SE" sz="2000" dirty="0" smtClean="0"/>
+              <a:rPr lang="sv-SE" sz="2000" dirty="0"/>
               <a:t> mer versioner</a:t>
             </a:r>
           </a:p>
@@ -4061,7 +4036,7 @@
               <a:buChar char="•"/>
             </a:pPr>
             <a:r>
-              <a:rPr lang="sv-SE" sz="2000" dirty="0" smtClean="0"/>
+              <a:rPr lang="sv-SE" sz="2000" dirty="0"/>
               <a:t> </a:t>
             </a:r>
           </a:p>
@@ -4070,14 +4045,14 @@
               <a:buFont typeface="Arial" panose="020B0604020202020204" pitchFamily="34" charset="0"/>
               <a:buChar char="•"/>
             </a:pPr>
-            <a:endParaRPr lang="sv-SE" sz="2000" dirty="0" smtClean="0"/>
+            <a:endParaRPr lang="sv-SE" sz="2000" dirty="0"/>
           </a:p>
           <a:p>
             <a:pPr>
               <a:buFont typeface="Arial" panose="020B0604020202020204" pitchFamily="34" charset="0"/>
               <a:buChar char="•"/>
             </a:pPr>
-            <a:endParaRPr lang="sv-SE" dirty="0" smtClean="0"/>
+            <a:endParaRPr lang="sv-SE" dirty="0"/>
           </a:p>
           <a:p>
             <a:pPr>
@@ -4111,31 +4086,31 @@
           <a:lstStyle/>
           <a:p>
             <a:r>
-              <a:rPr lang="fi-FI" dirty="0" err="1" smtClean="0"/>
+              <a:rPr lang="fi-FI" dirty="0" err="1"/>
               <a:t>Förändringar</a:t>
             </a:r>
             <a:r>
-              <a:rPr lang="fi-FI" dirty="0" smtClean="0"/>
+              <a:rPr lang="fi-FI" dirty="0"/>
               <a:t> = muutokset</a:t>
             </a:r>
           </a:p>
           <a:p>
             <a:r>
-              <a:rPr lang="fi-FI" dirty="0" err="1" smtClean="0"/>
+              <a:rPr lang="fi-FI" dirty="0" err="1"/>
               <a:t>Skyldig</a:t>
             </a:r>
             <a:r>
-              <a:rPr lang="fi-FI" dirty="0" smtClean="0"/>
+              <a:rPr lang="fi-FI" dirty="0"/>
               <a:t> = syyllinen</a:t>
             </a:r>
           </a:p>
           <a:p>
             <a:r>
-              <a:rPr lang="fi-FI" dirty="0" err="1" smtClean="0"/>
+              <a:rPr lang="fi-FI" dirty="0" err="1"/>
               <a:t>Upphålla</a:t>
             </a:r>
             <a:r>
-              <a:rPr lang="fi-FI" dirty="0" smtClean="0"/>
+              <a:rPr lang="fi-FI" dirty="0"/>
               <a:t> = ylläpitää</a:t>
             </a:r>
           </a:p>
@@ -4187,11 +4162,11 @@
           <a:lstStyle/>
           <a:p>
             <a:r>
-              <a:rPr lang="sv-SE" dirty="0" smtClean="0"/>
+              <a:rPr lang="sv-SE" dirty="0"/>
               <a:t>Vad är Git och </a:t>
             </a:r>
             <a:r>
-              <a:rPr lang="sv-SE" dirty="0" err="1" smtClean="0"/>
+              <a:rPr lang="sv-SE" dirty="0" err="1"/>
               <a:t>Github</a:t>
             </a:r>
             <a:endParaRPr lang="sv-SE" dirty="0"/>
@@ -4223,15 +4198,15 @@
               <a:buChar char="•"/>
             </a:pPr>
             <a:r>
-              <a:rPr lang="sv-SE" dirty="0" smtClean="0"/>
+              <a:rPr lang="sv-SE" dirty="0"/>
               <a:t> Git är en </a:t>
             </a:r>
             <a:r>
-              <a:rPr lang="sv-SE" dirty="0" err="1" smtClean="0"/>
+              <a:rPr lang="sv-SE" dirty="0" err="1"/>
               <a:t>versionkontrol</a:t>
             </a:r>
             <a:r>
-              <a:rPr lang="sv-SE" dirty="0" smtClean="0"/>
+              <a:rPr lang="sv-SE" dirty="0"/>
               <a:t> system tillverkads av Linus Torvalds</a:t>
             </a:r>
           </a:p>
@@ -4241,7 +4216,7 @@
               <a:buChar char="•"/>
             </a:pPr>
             <a:r>
-              <a:rPr lang="sv-SE" dirty="0" smtClean="0"/>
+              <a:rPr lang="sv-SE" dirty="0"/>
               <a:t>Gits ide är att möjliggöra förändra filer samtidigt med mans grupp</a:t>
             </a:r>
           </a:p>
@@ -4255,11 +4230,11 @@
               <a:t> </a:t>
             </a:r>
             <a:r>
-              <a:rPr lang="sv-SE" dirty="0" err="1" smtClean="0"/>
+              <a:rPr lang="sv-SE" dirty="0" err="1"/>
               <a:t>Github</a:t>
             </a:r>
             <a:r>
-              <a:rPr lang="sv-SE" dirty="0" smtClean="0"/>
+              <a:rPr lang="sv-SE" dirty="0"/>
               <a:t> är en:</a:t>
             </a:r>
           </a:p>
@@ -4269,10 +4244,9 @@
               <a:buChar char="•"/>
             </a:pPr>
             <a:r>
-              <a:rPr lang="sv-SE" dirty="0" smtClean="0"/>
+              <a:rPr lang="sv-SE" dirty="0"/>
               <a:t>Web sidan med grafisk användargränssnitt</a:t>
             </a:r>
-            <a:endParaRPr lang="sv-SE" dirty="0" smtClean="0"/>
           </a:p>
           <a:p>
             <a:pPr lvl="1">
@@ -4280,7 +4254,7 @@
               <a:buChar char="•"/>
             </a:pPr>
             <a:r>
-              <a:rPr lang="sv-SE" dirty="0" smtClean="0"/>
+              <a:rPr lang="sv-SE" dirty="0"/>
               <a:t>Service som använder Git</a:t>
             </a:r>
           </a:p>
@@ -4290,10 +4264,9 @@
               <a:buChar char="•"/>
             </a:pPr>
             <a:r>
-              <a:rPr lang="sv-SE" dirty="0" smtClean="0"/>
+              <a:rPr lang="sv-SE" dirty="0"/>
               <a:t>Gör att använda version kontroll lätt</a:t>
             </a:r>
-            <a:endParaRPr lang="sv-SE" dirty="0" smtClean="0"/>
           </a:p>
         </p:txBody>
       </p:sp>
@@ -4320,56 +4293,56 @@
           <a:lstStyle/>
           <a:p>
             <a:r>
-              <a:rPr lang="fi-FI" dirty="0" err="1" smtClean="0"/>
+              <a:rPr lang="fi-FI" dirty="0" err="1"/>
               <a:t>Tillverka</a:t>
             </a:r>
             <a:r>
-              <a:rPr lang="fi-FI" dirty="0" smtClean="0"/>
+              <a:rPr lang="fi-FI" dirty="0"/>
               <a:t> = tuottaa/valmistaa</a:t>
             </a:r>
           </a:p>
           <a:p>
             <a:r>
-              <a:rPr lang="fi-FI" dirty="0" err="1" smtClean="0"/>
+              <a:rPr lang="fi-FI" dirty="0" err="1"/>
               <a:t>Möjliggöra</a:t>
             </a:r>
             <a:r>
-              <a:rPr lang="fi-FI" dirty="0" smtClean="0"/>
+              <a:rPr lang="fi-FI" dirty="0"/>
               <a:t> = mahdollistaa</a:t>
             </a:r>
           </a:p>
           <a:p>
             <a:r>
-              <a:rPr lang="fi-FI" dirty="0" err="1" smtClean="0"/>
+              <a:rPr lang="fi-FI" dirty="0" err="1"/>
               <a:t>Förändra</a:t>
             </a:r>
             <a:r>
-              <a:rPr lang="fi-FI" dirty="0" smtClean="0"/>
+              <a:rPr lang="fi-FI" dirty="0"/>
               <a:t> = muuttaa</a:t>
             </a:r>
           </a:p>
           <a:p>
             <a:r>
-              <a:rPr lang="fi-FI" dirty="0" err="1" smtClean="0"/>
+              <a:rPr lang="fi-FI" dirty="0" err="1"/>
               <a:t>Samtidigt</a:t>
             </a:r>
             <a:r>
-              <a:rPr lang="fi-FI" dirty="0" smtClean="0"/>
+              <a:rPr lang="fi-FI" dirty="0"/>
               <a:t> = samanaikaisesti</a:t>
             </a:r>
           </a:p>
           <a:p>
             <a:r>
-              <a:rPr lang="fi-FI" dirty="0" err="1" smtClean="0"/>
+              <a:rPr lang="fi-FI" dirty="0" err="1"/>
               <a:t>Användargränssnitt</a:t>
             </a:r>
             <a:r>
-              <a:rPr lang="fi-FI" dirty="0" smtClean="0"/>
+              <a:rPr lang="fi-FI" dirty="0"/>
               <a:t> = käyttöliittymä</a:t>
             </a:r>
           </a:p>
           <a:p>
-            <a:endParaRPr lang="fi-FI" dirty="0" smtClean="0"/>
+            <a:endParaRPr lang="fi-FI" dirty="0"/>
           </a:p>
           <a:p>
             <a:endParaRPr lang="fi-FI" dirty="0"/>
@@ -4422,15 +4395,15 @@
           <a:lstStyle/>
           <a:p>
             <a:r>
-              <a:rPr lang="fi-FI" dirty="0" err="1" smtClean="0"/>
+              <a:rPr lang="fi-FI" dirty="0" err="1"/>
               <a:t>Vårt</a:t>
             </a:r>
             <a:r>
-              <a:rPr lang="fi-FI" dirty="0" smtClean="0"/>
+              <a:rPr lang="fi-FI" dirty="0"/>
               <a:t> </a:t>
             </a:r>
             <a:r>
-              <a:rPr lang="fi-FI" dirty="0" err="1" smtClean="0"/>
+              <a:rPr lang="fi-FI" dirty="0" err="1"/>
               <a:t>arkiv</a:t>
             </a:r>
             <a:endParaRPr lang="fi-FI" dirty="0"/>
@@ -4457,8 +4430,36 @@
               <a:buChar char="•"/>
             </a:pPr>
             <a:r>
-              <a:rPr lang="fi-FI" dirty="0" smtClean="0"/>
+              <a:rPr lang="fi-FI" dirty="0"/>
               <a:t> </a:t>
+            </a:r>
+          </a:p>
+        </p:txBody>
+      </p:sp>
+      <p:sp>
+        <p:nvSpPr>
+          <p:cNvPr id="4" name="Suorakulmio 3"/>
+          <p:cNvSpPr/>
+          <p:nvPr/>
+        </p:nvSpPr>
+        <p:spPr>
+          <a:xfrm>
+            <a:off x="1219200" y="1845734"/>
+            <a:ext cx="6096000" cy="646331"/>
+          </a:xfrm>
+          <a:prstGeom prst="rect">
+            <a:avLst/>
+          </a:prstGeom>
+        </p:spPr>
+        <p:txBody>
+          <a:bodyPr>
+            <a:spAutoFit/>
+          </a:bodyPr>
+          <a:lstStyle/>
+          <a:p>
+            <a:r>
+              <a:rPr lang="sv-SE" dirty="0"/>
+              <a:t>Vi har olika grenar. En för varje funktion, utveckling, master och publicerat</a:t>
             </a:r>
             <a:endParaRPr lang="fi-FI" dirty="0"/>
           </a:p>
@@ -4549,15 +4550,15 @@
               <a:buChar char="•"/>
             </a:pPr>
             <a:r>
-              <a:rPr lang="sv-SE" dirty="0" smtClean="0"/>
+              <a:rPr lang="sv-SE" dirty="0"/>
               <a:t> Git </a:t>
             </a:r>
             <a:r>
-              <a:rPr lang="sv-SE" dirty="0" err="1" smtClean="0"/>
+              <a:rPr lang="sv-SE" dirty="0" err="1"/>
               <a:t>clone</a:t>
             </a:r>
             <a:r>
-              <a:rPr lang="sv-SE" dirty="0" smtClean="0"/>
+              <a:rPr lang="sv-SE" dirty="0"/>
               <a:t> – klon en arkiven</a:t>
             </a:r>
           </a:p>
@@ -4567,39 +4568,23 @@
               <a:buChar char="•"/>
             </a:pPr>
             <a:r>
-              <a:rPr lang="sv-SE" dirty="0" smtClean="0"/>
-              <a:t> </a:t>
-            </a:r>
-            <a:r>
               <a:rPr lang="sv-SE" dirty="0"/>
-              <a:t>G</a:t>
-            </a:r>
-            <a:r>
-              <a:rPr lang="sv-SE" dirty="0" smtClean="0"/>
-              <a:t>it </a:t>
-            </a:r>
-            <a:r>
-              <a:rPr lang="sv-SE" dirty="0" err="1" smtClean="0"/>
+              <a:t> Git </a:t>
+            </a:r>
+            <a:r>
+              <a:rPr lang="sv-SE" dirty="0" err="1"/>
               <a:t>add</a:t>
             </a:r>
             <a:r>
               <a:rPr lang="sv-SE" dirty="0"/>
-              <a:t> </a:t>
+              <a:t> - Tillägga filer som </a:t>
+            </a:r>
+            <a:r>
+              <a:rPr lang="sv-SE" dirty="0" err="1"/>
+              <a:t>git</a:t>
             </a:r>
             <a:r>
               <a:rPr lang="sv-SE" dirty="0"/>
-              <a:t>- Tillägga </a:t>
-            </a:r>
-            <a:r>
-              <a:rPr lang="sv-SE" dirty="0" smtClean="0"/>
-              <a:t>filer som </a:t>
-            </a:r>
-            <a:r>
-              <a:rPr lang="sv-SE" dirty="0" err="1" smtClean="0"/>
-              <a:t>git</a:t>
-            </a:r>
-            <a:r>
-              <a:rPr lang="sv-SE" dirty="0" smtClean="0"/>
               <a:t> följer</a:t>
             </a:r>
           </a:p>
@@ -4609,23 +4594,15 @@
               <a:buChar char="•"/>
             </a:pPr>
             <a:r>
-              <a:rPr lang="sv-SE" dirty="0" smtClean="0"/>
-              <a:t> </a:t>
-            </a:r>
-            <a:r>
               <a:rPr lang="sv-SE" dirty="0"/>
-              <a:t>G</a:t>
-            </a:r>
-            <a:r>
-              <a:rPr lang="sv-SE" dirty="0" smtClean="0"/>
-              <a:t>it </a:t>
-            </a:r>
-            <a:r>
-              <a:rPr lang="sv-SE" dirty="0" err="1" smtClean="0"/>
+              <a:t> Git </a:t>
+            </a:r>
+            <a:r>
+              <a:rPr lang="sv-SE" dirty="0" err="1"/>
               <a:t>commit</a:t>
             </a:r>
             <a:r>
-              <a:rPr lang="sv-SE" dirty="0" smtClean="0"/>
+              <a:rPr lang="sv-SE" dirty="0"/>
               <a:t> -  förbereda filer för att sända</a:t>
             </a:r>
           </a:p>
@@ -4636,21 +4613,16 @@
             </a:pPr>
             <a:r>
               <a:rPr lang="sv-SE" dirty="0"/>
-              <a:t> </a:t>
-            </a:r>
-            <a:r>
-              <a:rPr lang="sv-SE" dirty="0" smtClean="0"/>
-              <a:t>Git </a:t>
-            </a:r>
-            <a:r>
-              <a:rPr lang="sv-SE" dirty="0" err="1" smtClean="0"/>
+              <a:t> Git </a:t>
+            </a:r>
+            <a:r>
+              <a:rPr lang="sv-SE" dirty="0" err="1"/>
               <a:t>pull</a:t>
             </a:r>
             <a:r>
-              <a:rPr lang="sv-SE" dirty="0" smtClean="0"/>
+              <a:rPr lang="sv-SE" dirty="0"/>
               <a:t> – söka uppdatering från server</a:t>
             </a:r>
-            <a:endParaRPr lang="sv-SE" dirty="0"/>
           </a:p>
           <a:p>
             <a:pPr>
@@ -4658,14 +4630,14 @@
               <a:buChar char="•"/>
             </a:pPr>
             <a:r>
-              <a:rPr lang="sv-SE" dirty="0" smtClean="0"/>
+              <a:rPr lang="sv-SE" dirty="0"/>
               <a:t> Git push – öka filer till </a:t>
             </a:r>
             <a:r>
-              <a:rPr lang="sv-SE" dirty="0" err="1" smtClean="0"/>
+              <a:rPr lang="sv-SE" dirty="0" err="1"/>
               <a:t>Github</a:t>
             </a:r>
-            <a:endParaRPr lang="sv-SE" dirty="0" smtClean="0"/>
+            <a:endParaRPr lang="sv-SE" dirty="0"/>
           </a:p>
           <a:p>
             <a:pPr>
@@ -4680,22 +4652,22 @@
               <a:buChar char="•"/>
             </a:pPr>
             <a:r>
-              <a:rPr lang="sv-SE" dirty="0" smtClean="0"/>
+              <a:rPr lang="sv-SE" dirty="0"/>
               <a:t> Git </a:t>
             </a:r>
             <a:r>
-              <a:rPr lang="sv-SE" dirty="0" err="1" smtClean="0"/>
+              <a:rPr lang="sv-SE" dirty="0" err="1"/>
               <a:t>add</a:t>
             </a:r>
             <a:r>
-              <a:rPr lang="sv-SE" dirty="0" smtClean="0"/>
+              <a:rPr lang="sv-SE" dirty="0"/>
               <a:t> </a:t>
             </a:r>
             <a:r>
-              <a:rPr lang="sv-SE" dirty="0" err="1" smtClean="0"/>
+              <a:rPr lang="sv-SE" dirty="0" err="1"/>
               <a:t>remote</a:t>
             </a:r>
-            <a:endParaRPr lang="sv-SE" dirty="0" smtClean="0"/>
+            <a:endParaRPr lang="sv-SE" dirty="0"/>
           </a:p>
           <a:p>
             <a:pPr>
@@ -4703,14 +4675,14 @@
               <a:buChar char="•"/>
             </a:pPr>
             <a:r>
-              <a:rPr lang="sv-SE" dirty="0" smtClean="0"/>
+              <a:rPr lang="sv-SE" dirty="0"/>
               <a:t> Git </a:t>
             </a:r>
             <a:r>
-              <a:rPr lang="sv-SE" dirty="0" err="1" smtClean="0"/>
+              <a:rPr lang="sv-SE" dirty="0" err="1"/>
               <a:t>checkout</a:t>
             </a:r>
-            <a:endParaRPr lang="sv-SE" dirty="0" smtClean="0"/>
+            <a:endParaRPr lang="sv-SE" dirty="0"/>
           </a:p>
           <a:p>
             <a:pPr>
@@ -4719,17 +4691,13 @@
             </a:pPr>
             <a:r>
               <a:rPr lang="sv-SE" dirty="0"/>
-              <a:t> </a:t>
-            </a:r>
-            <a:r>
-              <a:rPr lang="sv-SE" dirty="0" smtClean="0"/>
-              <a:t>Git </a:t>
-            </a:r>
-            <a:r>
-              <a:rPr lang="sv-SE" smtClean="0"/>
+              <a:t> Git </a:t>
+            </a:r>
+            <a:r>
+              <a:rPr lang="sv-SE"/>
               <a:t>branch</a:t>
             </a:r>
-            <a:endParaRPr lang="sv-SE" dirty="0" smtClean="0"/>
+            <a:endParaRPr lang="sv-SE" dirty="0"/>
           </a:p>
           <a:p>
             <a:pPr>
@@ -4786,7 +4754,7 @@
           <a:lstStyle/>
           <a:p>
             <a:r>
-              <a:rPr lang="fi-FI" dirty="0" err="1" smtClean="0"/>
+              <a:rPr lang="fi-FI" dirty="0" err="1"/>
               <a:t>Konflikter</a:t>
             </a:r>
             <a:endParaRPr lang="fi-FI" dirty="0"/>
@@ -4807,6 +4775,85 @@
         <p:txBody>
           <a:bodyPr/>
           <a:lstStyle/>
+          <a:p>
+            <a:r>
+              <a:rPr lang="sv-SE" dirty="0"/>
+              <a:t>Om konflikt händer och du gjorde driva försök rätt( </a:t>
+            </a:r>
+            <a:r>
+              <a:rPr lang="sv-SE" dirty="0" err="1"/>
+              <a:t>git</a:t>
+            </a:r>
+            <a:r>
+              <a:rPr lang="sv-SE" dirty="0"/>
+              <a:t> </a:t>
+            </a:r>
+            <a:r>
+              <a:rPr lang="sv-SE" dirty="0" err="1"/>
+              <a:t>add</a:t>
+            </a:r>
+            <a:r>
+              <a:rPr lang="sv-SE" dirty="0"/>
+              <a:t> . -&gt; </a:t>
+            </a:r>
+            <a:r>
+              <a:rPr lang="sv-SE" dirty="0" err="1"/>
+              <a:t>git</a:t>
+            </a:r>
+            <a:r>
+              <a:rPr lang="sv-SE" dirty="0"/>
+              <a:t> </a:t>
+            </a:r>
+            <a:r>
+              <a:rPr lang="sv-SE" dirty="0" err="1"/>
+              <a:t>commit</a:t>
+            </a:r>
+            <a:r>
+              <a:rPr lang="sv-SE" dirty="0"/>
+              <a:t> -&gt; </a:t>
+            </a:r>
+            <a:r>
+              <a:rPr lang="sv-SE" dirty="0" err="1"/>
+              <a:t>git</a:t>
+            </a:r>
+            <a:r>
+              <a:rPr lang="sv-SE" dirty="0"/>
+              <a:t> </a:t>
+            </a:r>
+            <a:r>
+              <a:rPr lang="sv-SE" dirty="0" err="1"/>
+              <a:t>pull</a:t>
+            </a:r>
+            <a:r>
+              <a:rPr lang="sv-SE" dirty="0"/>
+              <a:t> -&gt; </a:t>
+            </a:r>
+            <a:r>
+              <a:rPr lang="sv-SE" dirty="0" err="1"/>
+              <a:t>git</a:t>
+            </a:r>
+            <a:r>
+              <a:rPr lang="sv-SE" dirty="0"/>
+              <a:t> push), måste du reparera motstridiga filer på egen hand</a:t>
+            </a:r>
+          </a:p>
+          <a:p>
+            <a:endParaRPr lang="sv-SE" dirty="0"/>
+          </a:p>
+          <a:p>
+            <a:r>
+              <a:rPr lang="sv-SE" dirty="0"/>
+              <a:t>Vad vi har gjort i tidigare var kraftfullt driva på </a:t>
+            </a:r>
+            <a:r>
+              <a:rPr lang="sv-SE" dirty="0" err="1"/>
+              <a:t>Github</a:t>
+            </a:r>
+            <a:r>
+              <a:rPr lang="sv-SE" dirty="0"/>
+              <a:t> och det gör bara konflikter vi har orsakat till någon annan problem, som inte är trevligt att göra för dina co arbetstagare</a:t>
+            </a:r>
+          </a:p>
           <a:p>
             <a:endParaRPr lang="fi-FI" dirty="0"/>
           </a:p>
@@ -4857,19 +4904,15 @@
           <a:bodyPr/>
           <a:lstStyle/>
           <a:p>
-            <a:r>
-              <a:rPr lang="fi-FI" dirty="0"/>
-              <a:t/>
-            </a:r>
             <a:br>
               <a:rPr lang="fi-FI" dirty="0"/>
             </a:br>
             <a:r>
-              <a:rPr lang="fi-FI" dirty="0" err="1" smtClean="0"/>
+              <a:rPr lang="fi-FI" dirty="0" err="1"/>
               <a:t>Små</a:t>
             </a:r>
             <a:r>
-              <a:rPr lang="fi-FI" dirty="0" smtClean="0"/>
+              <a:rPr lang="fi-FI" dirty="0"/>
               <a:t> </a:t>
             </a:r>
             <a:r>
@@ -4897,7 +4940,23 @@
           <a:bodyPr/>
           <a:lstStyle/>
           <a:p>
-            <a:endParaRPr lang="fi-FI"/>
+            <a:r>
+              <a:rPr lang="sv-SE" dirty="0"/>
+              <a:t>Du kan punga din förvaret, ta en fråga och göra </a:t>
+            </a:r>
+            <a:r>
+              <a:rPr lang="sv-SE" dirty="0" err="1"/>
+              <a:t>pull</a:t>
+            </a:r>
+            <a:r>
+              <a:rPr lang="sv-SE" dirty="0"/>
+              <a:t> begäran via </a:t>
+            </a:r>
+            <a:r>
+              <a:rPr lang="sv-SE" dirty="0" err="1"/>
+              <a:t>github</a:t>
+            </a:r>
+            <a:endParaRPr lang="fi-FI" dirty="0"/>
           </a:p>
         </p:txBody>
       </p:sp>

--- a/Versionskontroll med Nalle Wahlroos.pptx
+++ b/Versionskontroll med Nalle Wahlroos.pptx
@@ -344,7 +344,7 @@
           <a:p>
             <a:fld id="{755046C0-CD55-4C47-BE07-7B297E1EF784}" type="datetimeFigureOut">
               <a:rPr lang="fi-FI" smtClean="0"/>
-              <a:t>10.4.2016</a:t>
+              <a:t>11.4.2016</a:t>
             </a:fld>
             <a:endParaRPr lang="fi-FI"/>
           </a:p>
@@ -552,7 +552,7 @@
           <a:p>
             <a:fld id="{755046C0-CD55-4C47-BE07-7B297E1EF784}" type="datetimeFigureOut">
               <a:rPr lang="fi-FI" smtClean="0"/>
-              <a:t>10.4.2016</a:t>
+              <a:t>11.4.2016</a:t>
             </a:fld>
             <a:endParaRPr lang="fi-FI"/>
           </a:p>
@@ -808,7 +808,7 @@
           <a:p>
             <a:fld id="{755046C0-CD55-4C47-BE07-7B297E1EF784}" type="datetimeFigureOut">
               <a:rPr lang="fi-FI" smtClean="0"/>
-              <a:t>10.4.2016</a:t>
+              <a:t>11.4.2016</a:t>
             </a:fld>
             <a:endParaRPr lang="fi-FI"/>
           </a:p>
@@ -982,7 +982,7 @@
           <a:p>
             <a:fld id="{755046C0-CD55-4C47-BE07-7B297E1EF784}" type="datetimeFigureOut">
               <a:rPr lang="fi-FI" smtClean="0"/>
-              <a:t>10.4.2016</a:t>
+              <a:t>11.4.2016</a:t>
             </a:fld>
             <a:endParaRPr lang="fi-FI"/>
           </a:p>
@@ -1325,7 +1325,7 @@
           <a:p>
             <a:fld id="{755046C0-CD55-4C47-BE07-7B297E1EF784}" type="datetimeFigureOut">
               <a:rPr lang="fi-FI" smtClean="0"/>
-              <a:t>10.4.2016</a:t>
+              <a:t>11.4.2016</a:t>
             </a:fld>
             <a:endParaRPr lang="fi-FI"/>
           </a:p>
@@ -1600,7 +1600,7 @@
           <a:p>
             <a:fld id="{755046C0-CD55-4C47-BE07-7B297E1EF784}" type="datetimeFigureOut">
               <a:rPr lang="fi-FI" smtClean="0"/>
-              <a:t>10.4.2016</a:t>
+              <a:t>11.4.2016</a:t>
             </a:fld>
             <a:endParaRPr lang="fi-FI"/>
           </a:p>
@@ -1979,7 +1979,7 @@
           <a:p>
             <a:fld id="{755046C0-CD55-4C47-BE07-7B297E1EF784}" type="datetimeFigureOut">
               <a:rPr lang="fi-FI" smtClean="0"/>
-              <a:t>10.4.2016</a:t>
+              <a:t>11.4.2016</a:t>
             </a:fld>
             <a:endParaRPr lang="fi-FI"/>
           </a:p>
@@ -2097,7 +2097,7 @@
           <a:p>
             <a:fld id="{755046C0-CD55-4C47-BE07-7B297E1EF784}" type="datetimeFigureOut">
               <a:rPr lang="fi-FI" smtClean="0"/>
-              <a:t>10.4.2016</a:t>
+              <a:t>11.4.2016</a:t>
             </a:fld>
             <a:endParaRPr lang="fi-FI"/>
           </a:p>
@@ -2268,7 +2268,7 @@
           <a:p>
             <a:fld id="{755046C0-CD55-4C47-BE07-7B297E1EF784}" type="datetimeFigureOut">
               <a:rPr lang="fi-FI" smtClean="0"/>
-              <a:t>10.4.2016</a:t>
+              <a:t>11.4.2016</a:t>
             </a:fld>
             <a:endParaRPr lang="fi-FI"/>
           </a:p>
@@ -2622,7 +2622,7 @@
           <a:p>
             <a:fld id="{755046C0-CD55-4C47-BE07-7B297E1EF784}" type="datetimeFigureOut">
               <a:rPr lang="fi-FI" smtClean="0"/>
-              <a:t>10.4.2016</a:t>
+              <a:t>11.4.2016</a:t>
             </a:fld>
             <a:endParaRPr lang="fi-FI"/>
           </a:p>
@@ -3004,7 +3004,7 @@
           <a:p>
             <a:fld id="{755046C0-CD55-4C47-BE07-7B297E1EF784}" type="datetimeFigureOut">
               <a:rPr lang="fi-FI" smtClean="0"/>
-              <a:t>10.4.2016</a:t>
+              <a:t>11.4.2016</a:t>
             </a:fld>
             <a:endParaRPr lang="fi-FI"/>
           </a:p>
@@ -3291,7 +3291,7 @@
           <a:p>
             <a:fld id="{755046C0-CD55-4C47-BE07-7B297E1EF784}" type="datetimeFigureOut">
               <a:rPr lang="fi-FI" smtClean="0"/>
-              <a:t>10.4.2016</a:t>
+              <a:t>11.4.2016</a:t>
             </a:fld>
             <a:endParaRPr lang="fi-FI"/>
           </a:p>
@@ -4465,6 +4465,30 @@
           </a:p>
         </p:txBody>
       </p:sp>
+      <p:pic>
+        <p:nvPicPr>
+          <p:cNvPr id="5" name="Kuva 4"/>
+          <p:cNvPicPr>
+            <a:picLocks noChangeAspect="1"/>
+          </p:cNvPicPr>
+          <p:nvPr/>
+        </p:nvPicPr>
+        <p:blipFill>
+          <a:blip r:embed="rId2"/>
+          <a:stretch>
+            <a:fillRect/>
+          </a:stretch>
+        </p:blipFill>
+        <p:spPr>
+          <a:xfrm>
+            <a:off x="2479124" y="2408930"/>
+            <a:ext cx="7439025" cy="3543300"/>
+          </a:xfrm>
+          <a:prstGeom prst="rect">
+            <a:avLst/>
+          </a:prstGeom>
+        </p:spPr>
+      </p:pic>
     </p:spTree>
     <p:extLst>
       <p:ext uri="{BB962C8B-B14F-4D97-AF65-F5344CB8AC3E}">
